--- a/Gold Rates_Python Project.pptx
+++ b/Gold Rates_Python Project.pptx
@@ -1414,7 +1414,7 @@
   <p:cSld>
     <p:spTree>
       <p:nvGrpSpPr>
-        <p:cNvPr id="87" name="Shape 87"/>
+        <p:cNvPr id="88" name="Shape 88"/>
         <p:cNvGrpSpPr/>
         <p:nvPr/>
       </p:nvGrpSpPr>
@@ -1428,7 +1428,7 @@
       </p:grpSpPr>
       <p:sp>
         <p:nvSpPr>
-          <p:cNvPr id="88" name="Google Shape;88;gf3f11fc7ab_0_83:notes"/>
+          <p:cNvPr id="89" name="Google Shape;89;gf3f11fc7ab_0_83:notes"/>
           <p:cNvSpPr/>
           <p:nvPr>
             <p:ph idx="2" type="sldImg"/>
@@ -1463,7 +1463,7 @@
       </p:sp>
       <p:sp>
         <p:nvSpPr>
-          <p:cNvPr id="89" name="Google Shape;89;gf3f11fc7ab_0_83:notes"/>
+          <p:cNvPr id="90" name="Google Shape;90;gf3f11fc7ab_0_83:notes"/>
           <p:cNvSpPr txBox="1"/>
           <p:nvPr>
             <p:ph idx="1" type="body"/>
@@ -1513,7 +1513,7 @@
   <p:cSld>
     <p:spTree>
       <p:nvGrpSpPr>
-        <p:cNvPr id="92" name="Shape 92"/>
+        <p:cNvPr id="94" name="Shape 94"/>
         <p:cNvGrpSpPr/>
         <p:nvPr/>
       </p:nvGrpSpPr>
@@ -1527,7 +1527,7 @@
       </p:grpSpPr>
       <p:sp>
         <p:nvSpPr>
-          <p:cNvPr id="93" name="Google Shape;93;gf3f11fc7ab_0_77:notes"/>
+          <p:cNvPr id="95" name="Google Shape;95;gf3f11fc7ab_0_77:notes"/>
           <p:cNvSpPr/>
           <p:nvPr>
             <p:ph idx="2" type="sldImg"/>
@@ -1562,7 +1562,7 @@
       </p:sp>
       <p:sp>
         <p:nvSpPr>
-          <p:cNvPr id="94" name="Google Shape;94;gf3f11fc7ab_0_77:notes"/>
+          <p:cNvPr id="96" name="Google Shape;96;gf3f11fc7ab_0_77:notes"/>
           <p:cNvSpPr txBox="1"/>
           <p:nvPr>
             <p:ph idx="1" type="body"/>
@@ -1612,7 +1612,7 @@
   <p:cSld>
     <p:spTree>
       <p:nvGrpSpPr>
-        <p:cNvPr id="98" name="Shape 98"/>
+        <p:cNvPr id="100" name="Shape 100"/>
         <p:cNvGrpSpPr/>
         <p:nvPr/>
       </p:nvGrpSpPr>
@@ -1626,7 +1626,7 @@
       </p:grpSpPr>
       <p:sp>
         <p:nvSpPr>
-          <p:cNvPr id="99" name="Google Shape;99;gf3f11fc7ab_0_93:notes"/>
+          <p:cNvPr id="101" name="Google Shape;101;gf3f11fc7ab_0_93:notes"/>
           <p:cNvSpPr/>
           <p:nvPr>
             <p:ph idx="2" type="sldImg"/>
@@ -1661,7 +1661,7 @@
       </p:sp>
       <p:sp>
         <p:nvSpPr>
-          <p:cNvPr id="100" name="Google Shape;100;gf3f11fc7ab_0_93:notes"/>
+          <p:cNvPr id="102" name="Google Shape;102;gf3f11fc7ab_0_93:notes"/>
           <p:cNvSpPr txBox="1"/>
           <p:nvPr>
             <p:ph idx="1" type="body"/>
@@ -8539,9 +8539,61 @@
             </a:pPr>
             <a:r>
               <a:rPr lang="en"/>
-              <a:t>Gold Rates</a:t>
+              <a:t>Exploratory Data Analysis on Gold Rates</a:t>
             </a:r>
             <a:endParaRPr/>
+          </a:p>
+        </p:txBody>
+      </p:sp>
+      <p:sp>
+        <p:nvSpPr>
+          <p:cNvPr id="87" name="Google Shape;87;p13"/>
+          <p:cNvSpPr txBox="1"/>
+          <p:nvPr/>
+        </p:nvSpPr>
+        <p:spPr>
+          <a:xfrm>
+            <a:off x="797475" y="4449525"/>
+            <a:ext cx="1699500" cy="400200"/>
+          </a:xfrm>
+          <a:prstGeom prst="rect">
+            <a:avLst/>
+          </a:prstGeom>
+          <a:noFill/>
+          <a:ln>
+            <a:noFill/>
+          </a:ln>
+        </p:spPr>
+        <p:txBody>
+          <a:bodyPr anchorCtr="0" anchor="t" bIns="91425" lIns="91425" spcFirstLastPara="1" rIns="91425" wrap="square" tIns="91425">
+            <a:spAutoFit/>
+          </a:bodyPr>
+          <a:lstStyle/>
+          <a:p>
+            <a:pPr indent="0" lvl="0" marL="0" rtl="0" algn="l">
+              <a:spcBef>
+                <a:spcPts val="0"/>
+              </a:spcBef>
+              <a:spcAft>
+                <a:spcPts val="0"/>
+              </a:spcAft>
+              <a:buNone/>
+            </a:pPr>
+            <a:r>
+              <a:rPr lang="en">
+                <a:latin typeface="Lato"/>
+                <a:ea typeface="Lato"/>
+                <a:cs typeface="Lato"/>
+                <a:sym typeface="Lato"/>
+              </a:rPr>
+              <a:t>By. Justin Yoon</a:t>
+            </a:r>
+            <a:endParaRPr>
+              <a:latin typeface="Lato"/>
+              <a:ea typeface="Lato"/>
+              <a:cs typeface="Lato"/>
+              <a:sym typeface="Lato"/>
+            </a:endParaRPr>
           </a:p>
         </p:txBody>
       </p:sp>
@@ -9539,6 +9591,195 @@
           </a:p>
         </p:txBody>
       </p:sp>
+      <p:sp>
+        <p:nvSpPr>
+          <p:cNvPr id="192" name="Google Shape;192;p27"/>
+          <p:cNvSpPr txBox="1"/>
+          <p:nvPr>
+            <p:ph idx="1" type="body"/>
+          </p:nvPr>
+        </p:nvSpPr>
+        <p:spPr>
+          <a:xfrm>
+            <a:off x="729450" y="2078875"/>
+            <a:ext cx="7688700" cy="2615700"/>
+          </a:xfrm>
+          <a:prstGeom prst="rect">
+            <a:avLst/>
+          </a:prstGeom>
+        </p:spPr>
+        <p:txBody>
+          <a:bodyPr anchorCtr="0" anchor="t" bIns="91425" lIns="91425" spcFirstLastPara="1" rIns="91425" wrap="square" tIns="91425">
+            <a:noAutofit/>
+          </a:bodyPr>
+          <a:lstStyle/>
+          <a:p>
+            <a:pPr indent="-311150" lvl="0" marL="457200" rtl="0" algn="l">
+              <a:spcBef>
+                <a:spcPts val="0"/>
+              </a:spcBef>
+              <a:spcAft>
+                <a:spcPts val="0"/>
+              </a:spcAft>
+              <a:buClr>
+                <a:srgbClr val="000000"/>
+              </a:buClr>
+              <a:buSzPts val="1300"/>
+              <a:buChar char="●"/>
+            </a:pPr>
+            <a:r>
+              <a:rPr lang="en">
+                <a:solidFill>
+                  <a:srgbClr val="000000"/>
+                </a:solidFill>
+              </a:rPr>
+              <a:t>From what I’ve seen from the data, I can see why the news and people start talking about gold when the economy starts to stumble. </a:t>
+            </a:r>
+            <a:endParaRPr>
+              <a:solidFill>
+                <a:srgbClr val="000000"/>
+              </a:solidFill>
+            </a:endParaRPr>
+          </a:p>
+          <a:p>
+            <a:pPr indent="-311150" lvl="0" marL="457200" rtl="0" algn="l">
+              <a:spcBef>
+                <a:spcPts val="0"/>
+              </a:spcBef>
+              <a:spcAft>
+                <a:spcPts val="0"/>
+              </a:spcAft>
+              <a:buClr>
+                <a:srgbClr val="000000"/>
+              </a:buClr>
+              <a:buSzPts val="1300"/>
+              <a:buChar char="●"/>
+            </a:pPr>
+            <a:r>
+              <a:rPr lang="en">
+                <a:solidFill>
+                  <a:srgbClr val="000000"/>
+                </a:solidFill>
+              </a:rPr>
+              <a:t>While not the go-to, I agree with the opinion that gold is a good choice of investment. </a:t>
+            </a:r>
+            <a:endParaRPr>
+              <a:solidFill>
+                <a:srgbClr val="000000"/>
+              </a:solidFill>
+            </a:endParaRPr>
+          </a:p>
+          <a:p>
+            <a:pPr indent="0" lvl="0" marL="0" rtl="0" algn="l">
+              <a:spcBef>
+                <a:spcPts val="1200"/>
+              </a:spcBef>
+              <a:spcAft>
+                <a:spcPts val="0"/>
+              </a:spcAft>
+              <a:buNone/>
+            </a:pPr>
+            <a:r>
+              <a:t/>
+            </a:r>
+            <a:endParaRPr>
+              <a:solidFill>
+                <a:srgbClr val="000000"/>
+              </a:solidFill>
+            </a:endParaRPr>
+          </a:p>
+          <a:p>
+            <a:pPr indent="0" lvl="0" marL="0" rtl="0" algn="l">
+              <a:spcBef>
+                <a:spcPts val="0"/>
+              </a:spcBef>
+              <a:spcAft>
+                <a:spcPts val="0"/>
+              </a:spcAft>
+              <a:buNone/>
+            </a:pPr>
+            <a:r>
+              <a:t/>
+            </a:r>
+            <a:endParaRPr>
+              <a:solidFill>
+                <a:srgbClr val="000000"/>
+              </a:solidFill>
+            </a:endParaRPr>
+          </a:p>
+          <a:p>
+            <a:pPr indent="-311150" lvl="0" marL="457200" rtl="0" algn="l">
+              <a:spcBef>
+                <a:spcPts val="0"/>
+              </a:spcBef>
+              <a:spcAft>
+                <a:spcPts val="0"/>
+              </a:spcAft>
+              <a:buClr>
+                <a:srgbClr val="000000"/>
+              </a:buClr>
+              <a:buSzPts val="1300"/>
+              <a:buChar char="●"/>
+            </a:pPr>
+            <a:r>
+              <a:rPr lang="en">
+                <a:solidFill>
+                  <a:srgbClr val="000000"/>
+                </a:solidFill>
+              </a:rPr>
+              <a:t>Look for other types of graphs that can increase the quality of the data</a:t>
+            </a:r>
+            <a:endParaRPr>
+              <a:solidFill>
+                <a:srgbClr val="000000"/>
+              </a:solidFill>
+            </a:endParaRPr>
+          </a:p>
+          <a:p>
+            <a:pPr indent="-311150" lvl="0" marL="457200" rtl="0" algn="l">
+              <a:spcBef>
+                <a:spcPts val="0"/>
+              </a:spcBef>
+              <a:spcAft>
+                <a:spcPts val="0"/>
+              </a:spcAft>
+              <a:buClr>
+                <a:srgbClr val="000000"/>
+              </a:buClr>
+              <a:buSzPts val="1300"/>
+              <a:buChar char="●"/>
+            </a:pPr>
+            <a:r>
+              <a:rPr lang="en">
+                <a:solidFill>
+                  <a:srgbClr val="000000"/>
+                </a:solidFill>
+              </a:rPr>
+              <a:t>Use machine learning to see how the rates would change in the future and look at sharp increases/decreases to possibly predict future economic event.</a:t>
+            </a:r>
+            <a:endParaRPr>
+              <a:solidFill>
+                <a:srgbClr val="000000"/>
+              </a:solidFill>
+            </a:endParaRPr>
+          </a:p>
+          <a:p>
+            <a:pPr indent="0" lvl="0" marL="0" rtl="0" algn="l">
+              <a:spcBef>
+                <a:spcPts val="0"/>
+              </a:spcBef>
+              <a:spcAft>
+                <a:spcPts val="1200"/>
+              </a:spcAft>
+              <a:buNone/>
+            </a:pPr>
+            <a:r>
+              <a:t/>
+            </a:r>
+            <a:endParaRPr/>
+          </a:p>
+        </p:txBody>
+      </p:sp>
     </p:spTree>
   </p:cSld>
   <p:clrMapOvr>
@@ -9552,7 +9793,7 @@
   <p:cSld>
     <p:spTree>
       <p:nvGrpSpPr>
-        <p:cNvPr id="90" name="Shape 90"/>
+        <p:cNvPr id="91" name="Shape 91"/>
         <p:cNvGrpSpPr/>
         <p:nvPr/>
       </p:nvGrpSpPr>
@@ -9566,7 +9807,7 @@
       </p:grpSpPr>
       <p:sp>
         <p:nvSpPr>
-          <p:cNvPr id="91" name="Google Shape;91;p14"/>
+          <p:cNvPr id="92" name="Google Shape;92;p14"/>
           <p:cNvSpPr txBox="1"/>
           <p:nvPr>
             <p:ph type="title"/>
@@ -9599,6 +9840,64 @@
             <a:r>
               <a:rPr lang="en"/>
               <a:t>Why?</a:t>
+            </a:r>
+            <a:endParaRPr/>
+          </a:p>
+        </p:txBody>
+      </p:sp>
+      <p:sp>
+        <p:nvSpPr>
+          <p:cNvPr id="93" name="Google Shape;93;p14"/>
+          <p:cNvSpPr txBox="1"/>
+          <p:nvPr>
+            <p:ph idx="1" type="body"/>
+          </p:nvPr>
+        </p:nvSpPr>
+        <p:spPr>
+          <a:xfrm>
+            <a:off x="729450" y="2078875"/>
+            <a:ext cx="7688700" cy="2261100"/>
+          </a:xfrm>
+          <a:prstGeom prst="rect">
+            <a:avLst/>
+          </a:prstGeom>
+        </p:spPr>
+        <p:txBody>
+          <a:bodyPr anchorCtr="0" anchor="t" bIns="91425" lIns="91425" spcFirstLastPara="1" rIns="91425" wrap="square" tIns="91425">
+            <a:normAutofit/>
+          </a:bodyPr>
+          <a:lstStyle/>
+          <a:p>
+            <a:pPr indent="-311150" lvl="0" marL="457200" rtl="0" algn="l">
+              <a:spcBef>
+                <a:spcPts val="0"/>
+              </a:spcBef>
+              <a:spcAft>
+                <a:spcPts val="0"/>
+              </a:spcAft>
+              <a:buSzPts val="1300"/>
+              <a:buChar char="●"/>
+            </a:pPr>
+            <a:r>
+              <a:rPr lang="en"/>
+              <a:t>When I came across this data on Kaggle, I remembered reading about how gold hit its highest point during the pandemic.</a:t>
+            </a:r>
+            <a:endParaRPr/>
+          </a:p>
+          <a:p>
+            <a:pPr indent="-311150" lvl="0" marL="457200" rtl="0" algn="l">
+              <a:spcBef>
+                <a:spcPts val="0"/>
+              </a:spcBef>
+              <a:spcAft>
+                <a:spcPts val="0"/>
+              </a:spcAft>
+              <a:buSzPts val="1300"/>
+              <a:buChar char="●"/>
+            </a:pPr>
+            <a:r>
+              <a:rPr lang="en"/>
+              <a:t>Wanted to explore how gold reacted during past economic crises.</a:t>
             </a:r>
             <a:endParaRPr/>
           </a:p>
@@ -9617,7 +9916,7 @@
   <p:cSld>
     <p:spTree>
       <p:nvGrpSpPr>
-        <p:cNvPr id="95" name="Shape 95"/>
+        <p:cNvPr id="97" name="Shape 97"/>
         <p:cNvGrpSpPr/>
         <p:nvPr/>
       </p:nvGrpSpPr>
@@ -9631,7 +9930,7 @@
       </p:grpSpPr>
       <p:sp>
         <p:nvSpPr>
-          <p:cNvPr id="96" name="Google Shape;96;p15"/>
+          <p:cNvPr id="98" name="Google Shape;98;p15"/>
           <p:cNvSpPr txBox="1"/>
           <p:nvPr>
             <p:ph type="title"/>
@@ -9671,7 +9970,7 @@
       </p:sp>
       <p:sp>
         <p:nvSpPr>
-          <p:cNvPr id="97" name="Google Shape;97;p15"/>
+          <p:cNvPr id="99" name="Google Shape;99;p15"/>
           <p:cNvSpPr txBox="1"/>
           <p:nvPr>
             <p:ph idx="1" type="body"/>
@@ -9786,7 +10085,7 @@
   <p:cSld>
     <p:spTree>
       <p:nvGrpSpPr>
-        <p:cNvPr id="101" name="Shape 101"/>
+        <p:cNvPr id="103" name="Shape 103"/>
         <p:cNvGrpSpPr/>
         <p:nvPr/>
       </p:nvGrpSpPr>
@@ -9800,7 +10099,7 @@
       </p:grpSpPr>
       <p:sp>
         <p:nvSpPr>
-          <p:cNvPr id="102" name="Google Shape;102;p16"/>
+          <p:cNvPr id="104" name="Google Shape;104;p16"/>
           <p:cNvSpPr txBox="1"/>
           <p:nvPr>
             <p:ph idx="1" type="body"/>
@@ -9808,7 +10107,7 @@
         </p:nvSpPr>
         <p:spPr>
           <a:xfrm>
-            <a:off x="727650" y="497750"/>
+            <a:off x="802500" y="1395825"/>
             <a:ext cx="7688700" cy="369600"/>
           </a:xfrm>
           <a:prstGeom prst="rect">
@@ -9840,7 +10139,7 @@
       </p:sp>
       <p:pic>
         <p:nvPicPr>
-          <p:cNvPr id="103" name="Google Shape;103;p16"/>
+          <p:cNvPr id="105" name="Google Shape;105;p16"/>
           <p:cNvPicPr preferRelativeResize="0"/>
           <p:nvPr/>
         </p:nvPicPr>
@@ -9854,7 +10153,7 @@
         </p:blipFill>
         <p:spPr>
           <a:xfrm>
-            <a:off x="727650" y="867347"/>
+            <a:off x="802500" y="1998997"/>
             <a:ext cx="2491626" cy="1884100"/>
           </a:xfrm>
           <a:prstGeom prst="rect">
@@ -9868,7 +10167,7 @@
       </p:pic>
       <p:pic>
         <p:nvPicPr>
-          <p:cNvPr id="104" name="Google Shape;104;p16"/>
+          <p:cNvPr id="106" name="Google Shape;106;p16"/>
           <p:cNvPicPr preferRelativeResize="0"/>
           <p:nvPr/>
         </p:nvPicPr>
@@ -9882,64 +10181,8 @@
         </p:blipFill>
         <p:spPr>
           <a:xfrm>
-            <a:off x="4842950" y="867350"/>
+            <a:off x="4829350" y="2062500"/>
             <a:ext cx="2685675" cy="1757100"/>
-          </a:xfrm>
-          <a:prstGeom prst="rect">
-            <a:avLst/>
-          </a:prstGeom>
-          <a:noFill/>
-          <a:ln>
-            <a:noFill/>
-          </a:ln>
-        </p:spPr>
-      </p:pic>
-      <p:pic>
-        <p:nvPicPr>
-          <p:cNvPr id="105" name="Google Shape;105;p16"/>
-          <p:cNvPicPr preferRelativeResize="0"/>
-          <p:nvPr/>
-        </p:nvPicPr>
-        <p:blipFill>
-          <a:blip r:embed="rId5">
-            <a:alphaModFix/>
-          </a:blip>
-          <a:stretch>
-            <a:fillRect/>
-          </a:stretch>
-        </p:blipFill>
-        <p:spPr>
-          <a:xfrm>
-            <a:off x="103925" y="2848398"/>
-            <a:ext cx="8445958" cy="2087252"/>
-          </a:xfrm>
-          <a:prstGeom prst="rect">
-            <a:avLst/>
-          </a:prstGeom>
-          <a:noFill/>
-          <a:ln>
-            <a:noFill/>
-          </a:ln>
-        </p:spPr>
-      </p:pic>
-      <p:pic>
-        <p:nvPicPr>
-          <p:cNvPr id="106" name="Google Shape;106;p16"/>
-          <p:cNvPicPr preferRelativeResize="0"/>
-          <p:nvPr/>
-        </p:nvPicPr>
-        <p:blipFill>
-          <a:blip r:embed="rId6">
-            <a:alphaModFix/>
-          </a:blip>
-          <a:stretch>
-            <a:fillRect/>
-          </a:stretch>
-        </p:blipFill>
-        <p:spPr>
-          <a:xfrm>
-            <a:off x="8549874" y="2868350"/>
-            <a:ext cx="562995" cy="2047325"/>
           </a:xfrm>
           <a:prstGeom prst="rect">
             <a:avLst/>
